--- a/docs/Presentacion.pptx
+++ b/docs/Presentacion.pptx
@@ -11,8 +11,9 @@
     <p:sldId id="259" r:id="rId5"/>
     <p:sldId id="260" r:id="rId6"/>
     <p:sldId id="261" r:id="rId7"/>
-    <p:sldId id="262" r:id="rId8"/>
-    <p:sldId id="263" r:id="rId9"/>
+    <p:sldId id="264" r:id="rId8"/>
+    <p:sldId id="262" r:id="rId9"/>
+    <p:sldId id="263" r:id="rId10"/>
   </p:sldIdLst>
   <p:sldSz cx="12192000" cy="6858000"/>
   <p:notesSz cx="6858000" cy="9144000"/>
@@ -6683,6 +6684,66 @@
             <p:ph type="title"/>
           </p:nvPr>
         </p:nvSpPr>
+        <p:spPr>
+          <a:xfrm>
+            <a:off x="3255434" y="2413000"/>
+            <a:ext cx="5063066" cy="2095500"/>
+          </a:xfrm>
+        </p:spPr>
+        <p:txBody>
+          <a:bodyPr>
+            <a:normAutofit fontScale="90000"/>
+          </a:bodyPr>
+          <a:lstStyle/>
+          <a:p>
+            <a:r>
+              <a:rPr lang="en-US" sz="13800" dirty="0" smtClean="0"/>
+              <a:t>DEMO</a:t>
+            </a:r>
+            <a:endParaRPr lang="en-US" sz="13800" dirty="0"/>
+          </a:p>
+        </p:txBody>
+      </p:sp>
+    </p:spTree>
+    <p:extLst>
+      <p:ext uri="{BB962C8B-B14F-4D97-AF65-F5344CB8AC3E}">
+        <p14:creationId xmlns:p14="http://schemas.microsoft.com/office/powerpoint/2010/main" val="1951148118"/>
+      </p:ext>
+    </p:extLst>
+  </p:cSld>
+  <p:clrMapOvr>
+    <a:masterClrMapping/>
+  </p:clrMapOvr>
+</p:sld>
+</file>
+
+<file path=ppt/slides/slide8.xml><?xml version="1.0" encoding="utf-8"?>
+<p:sld xmlns:a="http://schemas.openxmlformats.org/drawingml/2006/main" xmlns:r="http://schemas.openxmlformats.org/officeDocument/2006/relationships" xmlns:p="http://schemas.openxmlformats.org/presentationml/2006/main">
+  <p:cSld>
+    <p:spTree>
+      <p:nvGrpSpPr>
+        <p:cNvPr id="1" name=""/>
+        <p:cNvGrpSpPr/>
+        <p:nvPr/>
+      </p:nvGrpSpPr>
+      <p:grpSpPr>
+        <a:xfrm>
+          <a:off x="0" y="0"/>
+          <a:ext cx="0" cy="0"/>
+          <a:chOff x="0" y="0"/>
+          <a:chExt cx="0" cy="0"/>
+        </a:xfrm>
+      </p:grpSpPr>
+      <p:sp>
+        <p:nvSpPr>
+          <p:cNvPr id="2" name="Title 1"/>
+          <p:cNvSpPr>
+            <a:spLocks noGrp="1"/>
+          </p:cNvSpPr>
+          <p:nvPr>
+            <p:ph type="title"/>
+          </p:nvPr>
+        </p:nvSpPr>
         <p:spPr/>
         <p:txBody>
           <a:bodyPr/>
@@ -7034,7 +7095,7 @@
 </p:sld>
 </file>
 
-<file path=ppt/slides/slide8.xml><?xml version="1.0" encoding="utf-8"?>
+<file path=ppt/slides/slide9.xml><?xml version="1.0" encoding="utf-8"?>
 <p:sld xmlns:a="http://schemas.openxmlformats.org/drawingml/2006/main" xmlns:r="http://schemas.openxmlformats.org/officeDocument/2006/relationships" xmlns:p="http://schemas.openxmlformats.org/presentationml/2006/main">
   <p:cSld>
     <p:spTree>

--- a/docs/Presentacion.pptx
+++ b/docs/Presentacion.pptx
@@ -112,6 +112,11 @@
       </a:defRPr>
     </a:lvl9pPr>
   </p:defaultTextStyle>
+  <p:extLst>
+    <p:ext uri="{EFAFB233-063F-42B5-8137-9DF3F51BA10A}">
+      <p15:sldGuideLst xmlns:p15="http://schemas.microsoft.com/office/powerpoint/2012/main"/>
+    </p:ext>
+  </p:extLst>
 </p:presentation>
 </file>
 
@@ -861,7 +866,7 @@
             <a:fld id="{B61BEF0D-F0BB-DE4B-95CE-6DB70DBA9567}" type="datetimeFigureOut">
               <a:rPr lang="en-US" dirty="0"/>
               <a:pPr/>
-              <a:t>11/13/2020</a:t>
+              <a:t>11/14/2020</a:t>
             </a:fld>
             <a:endParaRPr lang="en-US" dirty="0"/>
           </a:p>
@@ -1109,7 +1114,7 @@
             <a:fld id="{B61BEF0D-F0BB-DE4B-95CE-6DB70DBA9567}" type="datetimeFigureOut">
               <a:rPr lang="en-US" dirty="0"/>
               <a:pPr/>
-              <a:t>11/13/2020</a:t>
+              <a:t>11/14/2020</a:t>
             </a:fld>
             <a:endParaRPr lang="en-US" dirty="0"/>
           </a:p>
@@ -1420,7 +1425,7 @@
             <a:fld id="{B61BEF0D-F0BB-DE4B-95CE-6DB70DBA9567}" type="datetimeFigureOut">
               <a:rPr lang="en-US" dirty="0"/>
               <a:pPr/>
-              <a:t>11/13/2020</a:t>
+              <a:t>11/14/2020</a:t>
             </a:fld>
             <a:endParaRPr lang="en-US" dirty="0"/>
           </a:p>
@@ -1750,7 +1755,7 @@
             <a:fld id="{B61BEF0D-F0BB-DE4B-95CE-6DB70DBA9567}" type="datetimeFigureOut">
               <a:rPr lang="en-US" dirty="0"/>
               <a:pPr/>
-              <a:t>11/13/2020</a:t>
+              <a:t>11/14/2020</a:t>
             </a:fld>
             <a:endParaRPr lang="en-US" dirty="0"/>
           </a:p>
@@ -2061,7 +2066,7 @@
             <a:fld id="{B61BEF0D-F0BB-DE4B-95CE-6DB70DBA9567}" type="datetimeFigureOut">
               <a:rPr lang="en-US" dirty="0"/>
               <a:pPr/>
-              <a:t>11/13/2020</a:t>
+              <a:t>11/14/2020</a:t>
             </a:fld>
             <a:endParaRPr lang="en-US" dirty="0"/>
           </a:p>
@@ -2451,7 +2456,7 @@
             <a:fld id="{B61BEF0D-F0BB-DE4B-95CE-6DB70DBA9567}" type="datetimeFigureOut">
               <a:rPr lang="en-US" dirty="0"/>
               <a:pPr/>
-              <a:t>11/13/2020</a:t>
+              <a:t>11/14/2020</a:t>
             </a:fld>
             <a:endParaRPr lang="en-US" dirty="0"/>
           </a:p>
@@ -2617,7 +2622,7 @@
           <a:p>
             <a:fld id="{55C6B4A9-1611-4792-9094-5F34BCA07E0B}" type="datetimeFigureOut">
               <a:rPr lang="en-US" dirty="0"/>
-              <a:t>11/13/2020</a:t>
+              <a:t>11/14/2020</a:t>
             </a:fld>
             <a:endParaRPr lang="en-US" dirty="0"/>
           </a:p>
@@ -2793,7 +2798,7 @@
             <a:fld id="{B61BEF0D-F0BB-DE4B-95CE-6DB70DBA9567}" type="datetimeFigureOut">
               <a:rPr lang="en-US" dirty="0"/>
               <a:pPr/>
-              <a:t>11/13/2020</a:t>
+              <a:t>11/14/2020</a:t>
             </a:fld>
             <a:endParaRPr lang="en-US" dirty="0"/>
           </a:p>
@@ -2959,7 +2964,7 @@
           <a:p>
             <a:fld id="{42A54C80-263E-416B-A8E0-580EDEADCBDC}" type="datetimeFigureOut">
               <a:rPr lang="en-US" dirty="0"/>
-              <a:t>11/13/2020</a:t>
+              <a:t>11/14/2020</a:t>
             </a:fld>
             <a:endParaRPr lang="en-US" dirty="0"/>
           </a:p>
@@ -3202,7 +3207,7 @@
             <a:fld id="{B61BEF0D-F0BB-DE4B-95CE-6DB70DBA9567}" type="datetimeFigureOut">
               <a:rPr lang="en-US" dirty="0"/>
               <a:pPr/>
-              <a:t>11/13/2020</a:t>
+              <a:t>11/14/2020</a:t>
             </a:fld>
             <a:endParaRPr lang="en-US" dirty="0"/>
           </a:p>
@@ -3430,7 +3435,7 @@
           <a:p>
             <a:fld id="{42A54C80-263E-416B-A8E0-580EDEADCBDC}" type="datetimeFigureOut">
               <a:rPr lang="en-US" dirty="0"/>
-              <a:t>11/13/2020</a:t>
+              <a:t>11/14/2020</a:t>
             </a:fld>
             <a:endParaRPr lang="en-US" dirty="0"/>
           </a:p>
@@ -3800,7 +3805,7 @@
             <a:fld id="{B61BEF0D-F0BB-DE4B-95CE-6DB70DBA9567}" type="datetimeFigureOut">
               <a:rPr lang="en-US" dirty="0"/>
               <a:pPr/>
-              <a:t>11/13/2020</a:t>
+              <a:t>11/14/2020</a:t>
             </a:fld>
             <a:endParaRPr lang="en-US" dirty="0"/>
           </a:p>
@@ -3920,7 +3925,7 @@
             <a:fld id="{B61BEF0D-F0BB-DE4B-95CE-6DB70DBA9567}" type="datetimeFigureOut">
               <a:rPr lang="en-US" dirty="0"/>
               <a:pPr/>
-              <a:t>11/13/2020</a:t>
+              <a:t>11/14/2020</a:t>
             </a:fld>
             <a:endParaRPr lang="en-US" dirty="0"/>
           </a:p>
@@ -4012,7 +4017,7 @@
             <a:fld id="{B61BEF0D-F0BB-DE4B-95CE-6DB70DBA9567}" type="datetimeFigureOut">
               <a:rPr lang="en-US" dirty="0"/>
               <a:pPr/>
-              <a:t>11/13/2020</a:t>
+              <a:t>11/14/2020</a:t>
             </a:fld>
             <a:endParaRPr lang="en-US" dirty="0"/>
           </a:p>
@@ -4263,7 +4268,7 @@
           <a:p>
             <a:fld id="{42A54C80-263E-416B-A8E0-580EDEADCBDC}" type="datetimeFigureOut">
               <a:rPr lang="en-US" dirty="0"/>
-              <a:t>11/13/2020</a:t>
+              <a:t>11/14/2020</a:t>
             </a:fld>
             <a:endParaRPr lang="en-US" dirty="0"/>
           </a:p>
@@ -4565,7 +4570,7 @@
             <a:fld id="{B61BEF0D-F0BB-DE4B-95CE-6DB70DBA9567}" type="datetimeFigureOut">
               <a:rPr lang="en-US" dirty="0"/>
               <a:pPr/>
-              <a:t>11/13/2020</a:t>
+              <a:t>11/14/2020</a:t>
             </a:fld>
             <a:endParaRPr lang="en-US" dirty="0"/>
           </a:p>
@@ -5263,7 +5268,7 @@
             <a:fld id="{B61BEF0D-F0BB-DE4B-95CE-6DB70DBA9567}" type="datetimeFigureOut">
               <a:rPr lang="en-US" dirty="0"/>
               <a:pPr/>
-              <a:t>11/13/2020</a:t>
+              <a:t>11/14/2020</a:t>
             </a:fld>
             <a:endParaRPr lang="en-US" dirty="0"/>
           </a:p>
@@ -5954,25 +5959,25 @@
         </p:spPr>
         <p:txBody>
           <a:bodyPr>
-            <a:normAutofit lnSpcReduction="10000"/>
+            <a:noAutofit/>
           </a:bodyPr>
           <a:lstStyle/>
           <a:p>
             <a:r>
-              <a:rPr lang="es-CO" sz="4400" dirty="0" smtClean="0">
+              <a:rPr lang="es-CO" sz="2800" dirty="0" smtClean="0">
                 <a:latin typeface="Microsoft JhengHei UI Light" panose="020B0304030504040204" pitchFamily="34" charset="-120"/>
                 <a:ea typeface="Microsoft JhengHei UI Light" panose="020B0304030504040204" pitchFamily="34" charset="-120"/>
               </a:rPr>
               <a:t>Interpretación del reto.</a:t>
             </a:r>
-            <a:endParaRPr lang="es-CO" sz="4400" dirty="0">
+            <a:endParaRPr lang="es-CO" sz="2800" dirty="0">
               <a:latin typeface="Microsoft JhengHei UI Light" panose="020B0304030504040204" pitchFamily="34" charset="-120"/>
               <a:ea typeface="Microsoft JhengHei UI Light" panose="020B0304030504040204" pitchFamily="34" charset="-120"/>
             </a:endParaRPr>
           </a:p>
           <a:p>
             <a:r>
-              <a:rPr lang="es-CO" sz="4400" dirty="0" smtClean="0">
+              <a:rPr lang="es-CO" sz="2800" dirty="0" smtClean="0">
                 <a:latin typeface="Microsoft JhengHei UI Light" panose="020B0304030504040204" pitchFamily="34" charset="-120"/>
                 <a:ea typeface="Microsoft JhengHei UI Light" panose="020B0304030504040204" pitchFamily="34" charset="-120"/>
               </a:rPr>
@@ -5981,7 +5986,7 @@
           </a:p>
           <a:p>
             <a:r>
-              <a:rPr lang="es-CO" sz="4400" dirty="0" smtClean="0">
+              <a:rPr lang="es-CO" sz="2800" dirty="0" smtClean="0">
                 <a:latin typeface="Microsoft JhengHei UI Light" panose="020B0304030504040204" pitchFamily="34" charset="-120"/>
                 <a:ea typeface="Microsoft JhengHei UI Light" panose="020B0304030504040204" pitchFamily="34" charset="-120"/>
               </a:rPr>
@@ -5990,36 +5995,67 @@
           </a:p>
           <a:p>
             <a:r>
-              <a:rPr lang="es-CO" sz="4400" dirty="0" smtClean="0">
+              <a:rPr lang="es-CO" sz="2800" dirty="0" smtClean="0">
                 <a:latin typeface="Microsoft JhengHei UI Light" panose="020B0304030504040204" pitchFamily="34" charset="-120"/>
                 <a:ea typeface="Microsoft JhengHei UI Light" panose="020B0304030504040204" pitchFamily="34" charset="-120"/>
               </a:rPr>
-              <a:t>Tecnologías utilizadas.</a:t>
-            </a:r>
-          </a:p>
-          <a:p>
-            <a:r>
-              <a:rPr lang="es-CO" sz="4400" dirty="0" smtClean="0">
+              <a:t>Tecnologías utilizadas</a:t>
+            </a:r>
+            <a:r>
+              <a:rPr lang="es-CO" sz="2800" dirty="0" smtClean="0">
                 <a:latin typeface="Microsoft JhengHei UI Light" panose="020B0304030504040204" pitchFamily="34" charset="-120"/>
                 <a:ea typeface="Microsoft JhengHei UI Light" panose="020B0304030504040204" pitchFamily="34" charset="-120"/>
               </a:rPr>
-              <a:t>Preguntas y respuestas</a:t>
-            </a:r>
-          </a:p>
-          <a:p>
-            <a:endParaRPr lang="es-CO" dirty="0" smtClean="0">
+              <a:t>.</a:t>
+            </a:r>
+          </a:p>
+          <a:p>
+            <a:r>
+              <a:rPr lang="es-CO" sz="2800" dirty="0" smtClean="0">
+                <a:latin typeface="Microsoft JhengHei UI Light" panose="020B0304030504040204" pitchFamily="34" charset="-120"/>
+                <a:ea typeface="Microsoft JhengHei UI Light" panose="020B0304030504040204" pitchFamily="34" charset="-120"/>
+              </a:rPr>
+              <a:t>Demo Azure DevOps CD/CI (Opcional).</a:t>
+            </a:r>
+            <a:endParaRPr lang="es-CO" sz="2800" dirty="0" smtClean="0">
               <a:latin typeface="Microsoft JhengHei UI Light" panose="020B0304030504040204" pitchFamily="34" charset="-120"/>
               <a:ea typeface="Microsoft JhengHei UI Light" panose="020B0304030504040204" pitchFamily="34" charset="-120"/>
             </a:endParaRPr>
           </a:p>
           <a:p>
-            <a:endParaRPr lang="es-CO" dirty="0" smtClean="0">
+            <a:r>
+              <a:rPr lang="es-CO" sz="2800" dirty="0" smtClean="0">
+                <a:latin typeface="Microsoft JhengHei UI Light" panose="020B0304030504040204" pitchFamily="34" charset="-120"/>
+                <a:ea typeface="Microsoft JhengHei UI Light" panose="020B0304030504040204" pitchFamily="34" charset="-120"/>
+              </a:rPr>
+              <a:t>Preguntas y </a:t>
+            </a:r>
+            <a:r>
+              <a:rPr lang="es-CO" sz="2800" dirty="0" smtClean="0">
+                <a:latin typeface="Microsoft JhengHei UI Light" panose="020B0304030504040204" pitchFamily="34" charset="-120"/>
+                <a:ea typeface="Microsoft JhengHei UI Light" panose="020B0304030504040204" pitchFamily="34" charset="-120"/>
+              </a:rPr>
+              <a:t>respuestas.</a:t>
+            </a:r>
+            <a:endParaRPr lang="es-CO" sz="2800" dirty="0" smtClean="0">
               <a:latin typeface="Microsoft JhengHei UI Light" panose="020B0304030504040204" pitchFamily="34" charset="-120"/>
               <a:ea typeface="Microsoft JhengHei UI Light" panose="020B0304030504040204" pitchFamily="34" charset="-120"/>
             </a:endParaRPr>
           </a:p>
           <a:p>
-            <a:endParaRPr lang="es-CO" dirty="0">
+            <a:endParaRPr lang="es-CO" sz="1100" dirty="0" smtClean="0">
+              <a:latin typeface="Microsoft JhengHei UI Light" panose="020B0304030504040204" pitchFamily="34" charset="-120"/>
+              <a:ea typeface="Microsoft JhengHei UI Light" panose="020B0304030504040204" pitchFamily="34" charset="-120"/>
+            </a:endParaRPr>
+          </a:p>
+          <a:p>
+            <a:endParaRPr lang="es-CO" sz="1100" dirty="0" smtClean="0">
+              <a:latin typeface="Microsoft JhengHei UI Light" panose="020B0304030504040204" pitchFamily="34" charset="-120"/>
+              <a:ea typeface="Microsoft JhengHei UI Light" panose="020B0304030504040204" pitchFamily="34" charset="-120"/>
+            </a:endParaRPr>
+          </a:p>
+          <a:p>
+            <a:endParaRPr lang="es-CO" sz="1100" dirty="0">
               <a:latin typeface="Microsoft JhengHei UI Light" panose="020B0304030504040204" pitchFamily="34" charset="-120"/>
               <a:ea typeface="Microsoft JhengHei UI Light" panose="020B0304030504040204" pitchFamily="34" charset="-120"/>
             </a:endParaRPr>
